--- a/presentaciones/estructura_comando_R_explained.pptx
+++ b/presentaciones/estructura_comando_R_explained.pptx
@@ -3387,7 +3387,7 @@
         <p:spPr>
           <a:xfrm>
             <a:off x="481013" y="3752849"/>
-            <a:ext cx="3290887" cy="2452687"/>
+            <a:ext cx="3875834" cy="2452687"/>
           </a:xfrm>
         </p:spPr>
         <p:txBody>
@@ -3396,9 +3396,55 @@
           </a:bodyPr>
           <a:lstStyle/>
           <a:p>
-            <a:r>
-              <a:rPr lang="en-US" sz="3600"/>
-              <a:t>¿Qué es un objeto en R?</a:t>
+            <a:pPr algn="ctr"/>
+            <a:r>
+              <a:rPr lang="en-US" sz="3600" dirty="0">
+                <a:latin typeface="Times New Roman" panose="02020603050405020304" pitchFamily="18" charset="0"/>
+                <a:cs typeface="Times New Roman" panose="02020603050405020304" pitchFamily="18" charset="0"/>
+              </a:rPr>
+              <a:t>¿</a:t>
+            </a:r>
+            <a:r>
+              <a:rPr lang="en-US" sz="3600" dirty="0" err="1">
+                <a:latin typeface="Times New Roman" panose="02020603050405020304" pitchFamily="18" charset="0"/>
+                <a:cs typeface="Times New Roman" panose="02020603050405020304" pitchFamily="18" charset="0"/>
+              </a:rPr>
+              <a:t>Qué</a:t>
+            </a:r>
+            <a:r>
+              <a:rPr lang="en-US" sz="3600" dirty="0">
+                <a:latin typeface="Times New Roman" panose="02020603050405020304" pitchFamily="18" charset="0"/>
+                <a:cs typeface="Times New Roman" panose="02020603050405020304" pitchFamily="18" charset="0"/>
+              </a:rPr>
+              <a:t> es un </a:t>
+            </a:r>
+            <a:r>
+              <a:rPr lang="en-US" sz="3600" dirty="0" err="1">
+                <a:latin typeface="Times New Roman" panose="02020603050405020304" pitchFamily="18" charset="0"/>
+                <a:cs typeface="Times New Roman" panose="02020603050405020304" pitchFamily="18" charset="0"/>
+              </a:rPr>
+              <a:t>objeto</a:t>
+            </a:r>
+            <a:r>
+              <a:rPr lang="en-US" sz="3600" dirty="0">
+                <a:latin typeface="Times New Roman" panose="02020603050405020304" pitchFamily="18" charset="0"/>
+                <a:cs typeface="Times New Roman" panose="02020603050405020304" pitchFamily="18" charset="0"/>
+              </a:rPr>
+              <a:t> </a:t>
+            </a:r>
+            <a:r>
+              <a:rPr lang="en-US" sz="3600" dirty="0" err="1">
+                <a:latin typeface="Times New Roman" panose="02020603050405020304" pitchFamily="18" charset="0"/>
+                <a:cs typeface="Times New Roman" panose="02020603050405020304" pitchFamily="18" charset="0"/>
+              </a:rPr>
+              <a:t>en</a:t>
+            </a:r>
+            <a:r>
+              <a:rPr lang="en-US" sz="3600" dirty="0">
+                <a:latin typeface="Times New Roman" panose="02020603050405020304" pitchFamily="18" charset="0"/>
+                <a:cs typeface="Times New Roman" panose="02020603050405020304" pitchFamily="18" charset="0"/>
+              </a:rPr>
+              <a:t> R?</a:t>
             </a:r>
           </a:p>
         </p:txBody>
@@ -3499,39 +3545,66 @@
               <a:buChar char="•"/>
             </a:pPr>
             <a:r>
-              <a:rPr lang="en-US" dirty="0"/>
+              <a:rPr lang="en-US" dirty="0">
+                <a:latin typeface="Times New Roman" panose="02020603050405020304" pitchFamily="18" charset="0"/>
+                <a:cs typeface="Times New Roman" panose="02020603050405020304" pitchFamily="18" charset="0"/>
+              </a:rPr>
               <a:t>R </a:t>
             </a:r>
             <a:r>
-              <a:rPr lang="en-US" dirty="0" err="1"/>
+              <a:rPr lang="en-US" dirty="0" err="1">
+                <a:latin typeface="Times New Roman" panose="02020603050405020304" pitchFamily="18" charset="0"/>
+                <a:cs typeface="Times New Roman" panose="02020603050405020304" pitchFamily="18" charset="0"/>
+              </a:rPr>
               <a:t>almacena</a:t>
             </a:r>
             <a:r>
-              <a:rPr lang="en-US" dirty="0"/>
+              <a:rPr lang="en-US" dirty="0">
+                <a:latin typeface="Times New Roman" panose="02020603050405020304" pitchFamily="18" charset="0"/>
+                <a:cs typeface="Times New Roman" panose="02020603050405020304" pitchFamily="18" charset="0"/>
+              </a:rPr>
               <a:t> </a:t>
             </a:r>
             <a:r>
-              <a:rPr lang="en-US" dirty="0" err="1"/>
+              <a:rPr lang="en-US" dirty="0" err="1">
+                <a:latin typeface="Times New Roman" panose="02020603050405020304" pitchFamily="18" charset="0"/>
+                <a:cs typeface="Times New Roman" panose="02020603050405020304" pitchFamily="18" charset="0"/>
+              </a:rPr>
               <a:t>valores</a:t>
             </a:r>
             <a:r>
-              <a:rPr lang="en-US" dirty="0"/>
+              <a:rPr lang="en-US" dirty="0">
+                <a:latin typeface="Times New Roman" panose="02020603050405020304" pitchFamily="18" charset="0"/>
+                <a:cs typeface="Times New Roman" panose="02020603050405020304" pitchFamily="18" charset="0"/>
+              </a:rPr>
               <a:t> de entrada </a:t>
             </a:r>
             <a:r>
-              <a:rPr lang="en-US" dirty="0" err="1"/>
+              <a:rPr lang="en-US" dirty="0" err="1">
+                <a:latin typeface="Times New Roman" panose="02020603050405020304" pitchFamily="18" charset="0"/>
+                <a:cs typeface="Times New Roman" panose="02020603050405020304" pitchFamily="18" charset="0"/>
+              </a:rPr>
               <a:t>en</a:t>
             </a:r>
             <a:r>
-              <a:rPr lang="en-US" dirty="0"/>
+              <a:rPr lang="en-US" dirty="0">
+                <a:latin typeface="Times New Roman" panose="02020603050405020304" pitchFamily="18" charset="0"/>
+                <a:cs typeface="Times New Roman" panose="02020603050405020304" pitchFamily="18" charset="0"/>
+              </a:rPr>
               <a:t> “</a:t>
             </a:r>
             <a:r>
-              <a:rPr lang="en-US" b="1" dirty="0" err="1"/>
+              <a:rPr lang="en-US" b="1" dirty="0" err="1">
+                <a:latin typeface="Times New Roman" panose="02020603050405020304" pitchFamily="18" charset="0"/>
+                <a:cs typeface="Times New Roman" panose="02020603050405020304" pitchFamily="18" charset="0"/>
+              </a:rPr>
               <a:t>objetos</a:t>
             </a:r>
             <a:r>
-              <a:rPr lang="en-US" dirty="0"/>
+              <a:rPr lang="en-US" dirty="0">
+                <a:latin typeface="Times New Roman" panose="02020603050405020304" pitchFamily="18" charset="0"/>
+                <a:cs typeface="Times New Roman" panose="02020603050405020304" pitchFamily="18" charset="0"/>
+              </a:rPr>
               <a:t>”.</a:t>
             </a:r>
           </a:p>
@@ -3547,49 +3620,96 @@
               <a:buChar char="•"/>
             </a:pPr>
             <a:r>
-              <a:rPr lang="en-US" dirty="0"/>
+              <a:rPr lang="en-US" dirty="0">
+                <a:latin typeface="Times New Roman" panose="02020603050405020304" pitchFamily="18" charset="0"/>
+                <a:cs typeface="Times New Roman" panose="02020603050405020304" pitchFamily="18" charset="0"/>
+              </a:rPr>
               <a:t>Los </a:t>
             </a:r>
             <a:r>
-              <a:rPr lang="en-US" dirty="0" err="1"/>
+              <a:rPr lang="en-US" dirty="0" err="1">
+                <a:latin typeface="Times New Roman" panose="02020603050405020304" pitchFamily="18" charset="0"/>
+                <a:cs typeface="Times New Roman" panose="02020603050405020304" pitchFamily="18" charset="0"/>
+              </a:rPr>
               <a:t>objetos</a:t>
             </a:r>
             <a:r>
-              <a:rPr lang="en-US" dirty="0"/>
+              <a:rPr lang="en-US" dirty="0">
+                <a:latin typeface="Times New Roman" panose="02020603050405020304" pitchFamily="18" charset="0"/>
+                <a:cs typeface="Times New Roman" panose="02020603050405020304" pitchFamily="18" charset="0"/>
+              </a:rPr>
               <a:t> se </a:t>
             </a:r>
             <a:r>
-              <a:rPr lang="en-US" dirty="0" err="1"/>
+              <a:rPr lang="en-US" dirty="0" err="1">
+                <a:latin typeface="Times New Roman" panose="02020603050405020304" pitchFamily="18" charset="0"/>
+                <a:cs typeface="Times New Roman" panose="02020603050405020304" pitchFamily="18" charset="0"/>
+              </a:rPr>
               <a:t>guardan</a:t>
             </a:r>
             <a:r>
-              <a:rPr lang="en-US" dirty="0"/>
+              <a:rPr lang="en-US" dirty="0">
+                <a:latin typeface="Times New Roman" panose="02020603050405020304" pitchFamily="18" charset="0"/>
+                <a:cs typeface="Times New Roman" panose="02020603050405020304" pitchFamily="18" charset="0"/>
+              </a:rPr>
               <a:t> </a:t>
             </a:r>
             <a:r>
-              <a:rPr lang="en-US" dirty="0" err="1"/>
+              <a:rPr lang="en-US" dirty="0" err="1">
+                <a:latin typeface="Times New Roman" panose="02020603050405020304" pitchFamily="18" charset="0"/>
+                <a:cs typeface="Times New Roman" panose="02020603050405020304" pitchFamily="18" charset="0"/>
+              </a:rPr>
               <a:t>en</a:t>
             </a:r>
             <a:r>
-              <a:rPr lang="en-US" dirty="0"/>
+              <a:rPr lang="en-US" dirty="0">
+                <a:latin typeface="Times New Roman" panose="02020603050405020304" pitchFamily="18" charset="0"/>
+                <a:cs typeface="Times New Roman" panose="02020603050405020304" pitchFamily="18" charset="0"/>
+              </a:rPr>
               <a:t> la Ventana “</a:t>
             </a:r>
             <a:r>
-              <a:rPr lang="en-US" i="1" dirty="0"/>
+              <a:rPr lang="en-US" i="1" dirty="0">
+                <a:latin typeface="Times New Roman" panose="02020603050405020304" pitchFamily="18" charset="0"/>
+                <a:cs typeface="Times New Roman" panose="02020603050405020304" pitchFamily="18" charset="0"/>
+              </a:rPr>
               <a:t>Environment</a:t>
             </a:r>
             <a:r>
-              <a:rPr lang="en-US" dirty="0"/>
+              <a:rPr lang="en-US" dirty="0">
+                <a:latin typeface="Times New Roman" panose="02020603050405020304" pitchFamily="18" charset="0"/>
+                <a:cs typeface="Times New Roman" panose="02020603050405020304" pitchFamily="18" charset="0"/>
+              </a:rPr>
               <a:t>” (</a:t>
             </a:r>
             <a:r>
-              <a:rPr lang="en-US" dirty="0" err="1"/>
+              <a:rPr lang="en-US" dirty="0" err="1">
+                <a:latin typeface="Times New Roman" panose="02020603050405020304" pitchFamily="18" charset="0"/>
+                <a:cs typeface="Times New Roman" panose="02020603050405020304" pitchFamily="18" charset="0"/>
+              </a:rPr>
               <a:t>ambiente</a:t>
             </a:r>
             <a:r>
-              <a:rPr lang="en-US" dirty="0"/>
+              <a:rPr lang="en-US" dirty="0">
+                <a:latin typeface="Times New Roman" panose="02020603050405020304" pitchFamily="18" charset="0"/>
+                <a:cs typeface="Times New Roman" panose="02020603050405020304" pitchFamily="18" charset="0"/>
+              </a:rPr>
               <a:t>)</a:t>
             </a:r>
+          </a:p>
+          <a:p>
+            <a:pPr marL="342900">
+              <a:lnSpc>
+                <a:spcPct val="90000"/>
+              </a:lnSpc>
+              <a:spcAft>
+                <a:spcPts val="600"/>
+              </a:spcAft>
+            </a:pPr>
+            <a:endParaRPr lang="en-US" dirty="0">
+              <a:latin typeface="Times New Roman" panose="02020603050405020304" pitchFamily="18" charset="0"/>
+              <a:cs typeface="Times New Roman" panose="02020603050405020304" pitchFamily="18" charset="0"/>
+            </a:endParaRPr>
           </a:p>
         </p:txBody>
       </p:sp>
@@ -3909,6 +4029,17 @@
           <a:lstStyle/>
           <a:p>
             <a:r>
+              <a:rPr lang="en-US" sz="4000" kern="1200" dirty="0">
+                <a:solidFill>
+                  <a:schemeClr val="tx1"/>
+                </a:solidFill>
+                <a:latin typeface="+mj-lt"/>
+                <a:ea typeface="+mj-ea"/>
+                <a:cs typeface="+mj-cs"/>
+              </a:rPr>
+              <a:t>¿</a:t>
+            </a:r>
+            <a:r>
               <a:rPr lang="en-US" sz="4000" kern="1200" dirty="0" err="1">
                 <a:solidFill>
                   <a:schemeClr val="tx1"/>
@@ -3950,7 +4081,7 @@
                 <a:ea typeface="+mj-ea"/>
                 <a:cs typeface="+mj-cs"/>
               </a:rPr>
-              <a:t> un valor a un </a:t>
+              <a:t> valor a un </a:t>
             </a:r>
             <a:r>
               <a:rPr lang="en-US" sz="4000" kern="1200" dirty="0" err="1">
@@ -3963,14 +4094,39 @@
               </a:rPr>
               <a:t>objeto</a:t>
             </a:r>
-            <a:endParaRPr lang="en-US" sz="4000" kern="1200" dirty="0">
-              <a:solidFill>
-                <a:schemeClr val="tx1"/>
-              </a:solidFill>
-              <a:latin typeface="+mj-lt"/>
-              <a:ea typeface="+mj-ea"/>
-              <a:cs typeface="+mj-cs"/>
-            </a:endParaRPr>
+            <a:r>
+              <a:rPr lang="en-US" sz="4000" kern="1200" dirty="0">
+                <a:solidFill>
+                  <a:schemeClr val="tx1"/>
+                </a:solidFill>
+                <a:latin typeface="+mj-lt"/>
+                <a:ea typeface="+mj-ea"/>
+                <a:cs typeface="+mj-cs"/>
+              </a:rPr>
+              <a:t> </a:t>
+            </a:r>
+            <a:r>
+              <a:rPr lang="en-US" sz="4000" kern="1200" dirty="0" err="1">
+                <a:solidFill>
+                  <a:schemeClr val="tx1"/>
+                </a:solidFill>
+                <a:latin typeface="+mj-lt"/>
+                <a:ea typeface="+mj-ea"/>
+                <a:cs typeface="+mj-cs"/>
+              </a:rPr>
+              <a:t>en</a:t>
+            </a:r>
+            <a:r>
+              <a:rPr lang="en-US" sz="4000" kern="1200" dirty="0">
+                <a:solidFill>
+                  <a:schemeClr val="tx1"/>
+                </a:solidFill>
+                <a:latin typeface="+mj-lt"/>
+                <a:ea typeface="+mj-ea"/>
+                <a:cs typeface="+mj-cs"/>
+              </a:rPr>
+              <a:t> R?</a:t>
+            </a:r>
           </a:p>
         </p:txBody>
       </p:sp>
@@ -4565,7 +4721,7 @@
               </a:spcAft>
             </a:pPr>
             <a:r>
-              <a:rPr lang="en-US" sz="2408" kern="1200" err="1">
+              <a:rPr lang="en-US" sz="2408" kern="1200" dirty="0" err="1">
                 <a:solidFill>
                   <a:schemeClr val="tx1"/>
                 </a:solidFill>
@@ -4576,7 +4732,7 @@
               <a:t>mydf</a:t>
             </a:r>
             <a:r>
-              <a:rPr lang="en-US" sz="2408" kern="1200">
+              <a:rPr lang="en-US" sz="2408" kern="1200" dirty="0">
                 <a:solidFill>
                   <a:schemeClr val="tx1"/>
                 </a:solidFill>
@@ -4585,6 +4741,46 @@
                 <a:cs typeface="+mn-cs"/>
               </a:rPr>
               <a:t> &lt;- u</a:t>
+            </a:r>
+            <a:r>
+              <a:rPr lang="en-MX" sz="2408" kern="1200" dirty="0">
+                <a:solidFill>
+                  <a:schemeClr val="tx1"/>
+                </a:solidFill>
+                <a:latin typeface="Cambria Math" panose="02040503050406030204" pitchFamily="18" charset="0"/>
+                <a:ea typeface="Cambria Math" panose="02040503050406030204" pitchFamily="18" charset="0"/>
+                <a:cs typeface="+mn-cs"/>
+              </a:rPr>
+              <a:t>tils::read.delim (file = </a:t>
+            </a:r>
+            <a:r>
+              <a:rPr lang="en-MX" sz="2408" kern="1200" dirty="0">
+                <a:solidFill>
+                  <a:schemeClr val="tx1"/>
+                </a:solidFill>
+                <a:latin typeface="+mn-lt"/>
+                <a:ea typeface="+mn-ea"/>
+                <a:cs typeface="+mn-cs"/>
+              </a:rPr>
+              <a:t>'</a:t>
+            </a:r>
+            <a:r>
+              <a:rPr lang="en-MX" sz="2408" kern="1200" dirty="0">
+                <a:solidFill>
+                  <a:schemeClr val="tx1"/>
+                </a:solidFill>
+                <a:latin typeface="Cambria Math" panose="02040503050406030204" pitchFamily="18" charset="0"/>
+                <a:ea typeface="Cambria Math" panose="02040503050406030204" pitchFamily="18" charset="0"/>
+                <a:cs typeface="+mn-cs"/>
+              </a:rPr>
+              <a:t>data/</a:t>
+            </a:r>
+            <a:r>
+              <a:rPr lang="en-MX" sz="2408" dirty="0">
+                <a:latin typeface="Cambria Math" panose="02040503050406030204" pitchFamily="18" charset="0"/>
+                <a:ea typeface="Cambria Math" panose="02040503050406030204" pitchFamily="18" charset="0"/>
+              </a:rPr>
+              <a:t>iris</a:t>
             </a:r>
             <a:r>
               <a:rPr lang="en-MX" sz="2408" kern="1200">
@@ -4595,7 +4791,7 @@
                 <a:ea typeface="Cambria Math" panose="02040503050406030204" pitchFamily="18" charset="0"/>
                 <a:cs typeface="+mn-cs"/>
               </a:rPr>
-              <a:t>tils::read.delim (file = </a:t>
+              <a:t>.tsv</a:t>
             </a:r>
             <a:r>
               <a:rPr lang="en-MX" sz="2408" kern="1200">
@@ -4617,10 +4813,21 @@
                 <a:ea typeface="Cambria Math" panose="02040503050406030204" pitchFamily="18" charset="0"/>
                 <a:cs typeface="+mn-cs"/>
               </a:rPr>
-              <a:t>./CursoR/file.csv</a:t>
-            </a:r>
-            <a:r>
-              <a:rPr lang="en-MX" sz="2408" kern="1200">
+              <a:t>, </a:t>
+            </a:r>
+            <a:r>
+              <a:rPr lang="en-MX" sz="2408" kern="1200" dirty="0">
+                <a:solidFill>
+                  <a:schemeClr val="tx1"/>
+                </a:solidFill>
+                <a:latin typeface="Cambria Math" panose="02040503050406030204" pitchFamily="18" charset="0"/>
+                <a:ea typeface="Cambria Math" panose="02040503050406030204" pitchFamily="18" charset="0"/>
+                <a:cs typeface="+mn-cs"/>
+              </a:rPr>
+              <a:t>sep  = </a:t>
+            </a:r>
+            <a:r>
+              <a:rPr lang="en-MX" sz="2408" kern="1200" dirty="0">
                 <a:solidFill>
                   <a:schemeClr val="tx1"/>
                 </a:solidFill>
@@ -4631,7 +4838,25 @@
               <a:t>'</a:t>
             </a:r>
             <a:r>
-              <a:rPr lang="en-MX" sz="2408" kern="1200">
+              <a:rPr lang="en-MX" sz="2408" dirty="0">
+                <a:latin typeface="Cambria Math" panose="02040503050406030204" pitchFamily="18" charset="0"/>
+                <a:ea typeface="Cambria Math" panose="02040503050406030204" pitchFamily="18" charset="0"/>
+              </a:rPr>
+              <a:t>\t</a:t>
+            </a:r>
+            <a:r>
+              <a:rPr lang="en-MX" sz="2408" kern="1200" dirty="0">
+                <a:solidFill>
+                  <a:schemeClr val="tx1"/>
+                </a:solidFill>
+                <a:latin typeface="+mn-lt"/>
+                <a:ea typeface="+mn-ea"/>
+                <a:cs typeface="+mn-cs"/>
+              </a:rPr>
+              <a:t>'</a:t>
+            </a:r>
+            <a:r>
+              <a:rPr lang="en-MX" sz="2408" kern="1200" dirty="0">
                 <a:solidFill>
                   <a:schemeClr val="tx1"/>
                 </a:solidFill>
@@ -4639,53 +4864,9 @@
                 <a:ea typeface="Cambria Math" panose="02040503050406030204" pitchFamily="18" charset="0"/>
                 <a:cs typeface="+mn-cs"/>
               </a:rPr>
-              <a:t>, sep  = </a:t>
-            </a:r>
-            <a:r>
-              <a:rPr lang="en-MX" sz="2408" kern="1200">
-                <a:solidFill>
-                  <a:schemeClr val="tx1"/>
-                </a:solidFill>
-                <a:latin typeface="+mn-lt"/>
-                <a:ea typeface="+mn-ea"/>
-                <a:cs typeface="+mn-cs"/>
-              </a:rPr>
-              <a:t>'</a:t>
-            </a:r>
-            <a:r>
-              <a:rPr lang="en-MX" sz="2408" kern="1200">
-                <a:solidFill>
-                  <a:schemeClr val="tx1"/>
-                </a:solidFill>
-                <a:latin typeface="Cambria Math" panose="02040503050406030204" pitchFamily="18" charset="0"/>
-                <a:ea typeface="Cambria Math" panose="02040503050406030204" pitchFamily="18" charset="0"/>
-                <a:cs typeface="+mn-cs"/>
-              </a:rPr>
-              <a:t>,</a:t>
-            </a:r>
-            <a:r>
-              <a:rPr lang="en-MX" sz="2408" kern="1200">
-                <a:solidFill>
-                  <a:schemeClr val="tx1"/>
-                </a:solidFill>
-                <a:latin typeface="+mn-lt"/>
-                <a:ea typeface="+mn-ea"/>
-                <a:cs typeface="+mn-cs"/>
-              </a:rPr>
-              <a:t>'</a:t>
-            </a:r>
-            <a:r>
-              <a:rPr lang="en-MX" sz="2408" kern="1200">
-                <a:solidFill>
-                  <a:schemeClr val="tx1"/>
-                </a:solidFill>
-                <a:latin typeface="Cambria Math" panose="02040503050406030204" pitchFamily="18" charset="0"/>
-                <a:ea typeface="Cambria Math" panose="02040503050406030204" pitchFamily="18" charset="0"/>
-                <a:cs typeface="+mn-cs"/>
-              </a:rPr>
-              <a:t>, header = T)</a:t>
-            </a:r>
-            <a:endParaRPr lang="en-MX" sz="2800">
+              <a:t>)</a:t>
+            </a:r>
+            <a:endParaRPr lang="en-MX" sz="2800" dirty="0">
               <a:latin typeface="Cambria Math" panose="02040503050406030204" pitchFamily="18" charset="0"/>
               <a:ea typeface="Cambria Math" panose="02040503050406030204" pitchFamily="18" charset="0"/>
             </a:endParaRPr>

--- a/presentaciones/estructura_comando_R_explained.pptx
+++ b/presentaciones/estructura_comando_R_explained.pptx
@@ -4232,7 +4232,7 @@
               </a:spcAft>
             </a:pPr>
             <a:r>
-              <a:rPr lang="en-US" sz="4224" kern="1200" err="1">
+              <a:rPr lang="en-US" sz="4224" kern="1200" dirty="0" err="1">
                 <a:solidFill>
                   <a:schemeClr val="tx1"/>
                 </a:solidFill>
@@ -4243,7 +4243,7 @@
               <a:t>objeto</a:t>
             </a:r>
             <a:r>
-              <a:rPr lang="en-US" sz="4224" kern="1200">
+              <a:rPr lang="en-US" sz="4224" kern="1200" dirty="0">
                 <a:solidFill>
                   <a:schemeClr val="tx1"/>
                 </a:solidFill>
@@ -4254,7 +4254,7 @@
               <a:t> </a:t>
             </a:r>
             <a:r>
-              <a:rPr lang="en-US" sz="4224" b="1" kern="1200">
+              <a:rPr lang="en-US" sz="4224" b="1" kern="1200" dirty="0">
                 <a:solidFill>
                   <a:srgbClr val="FF0000"/>
                 </a:solidFill>
@@ -4265,7 +4265,7 @@
               <a:t>&lt;-</a:t>
             </a:r>
             <a:r>
-              <a:rPr lang="en-US" sz="4224" kern="1200">
+              <a:rPr lang="en-US" sz="4224" kern="1200" dirty="0">
                 <a:solidFill>
                   <a:schemeClr val="tx1"/>
                 </a:solidFill>
@@ -4276,7 +4276,7 @@
               <a:t> package::function(</a:t>
             </a:r>
             <a:r>
-              <a:rPr lang="en-US" sz="4224" kern="1200" err="1">
+              <a:rPr lang="en-US" sz="4224" kern="1200" dirty="0" err="1">
                 <a:solidFill>
                   <a:schemeClr val="tx1"/>
                 </a:solidFill>
@@ -4287,7 +4287,7 @@
               <a:t>argumentos</a:t>
             </a:r>
             <a:r>
-              <a:rPr lang="en-US" sz="4224" kern="1200">
+              <a:rPr lang="en-US" sz="4224" kern="1200" dirty="0">
                 <a:solidFill>
                   <a:schemeClr val="tx1"/>
                 </a:solidFill>
@@ -4297,7 +4297,7 @@
               </a:rPr>
               <a:t>)</a:t>
             </a:r>
-            <a:endParaRPr lang="en-MX" sz="4400">
+            <a:endParaRPr lang="en-MX" sz="4400" dirty="0">
               <a:latin typeface="Cambria Math" panose="02040503050406030204" pitchFamily="18" charset="0"/>
               <a:ea typeface="Cambria Math" panose="02040503050406030204" pitchFamily="18" charset="0"/>
             </a:endParaRPr>
@@ -4338,7 +4338,7 @@
               </a:spcAft>
             </a:pPr>
             <a:r>
-              <a:rPr lang="en-US" sz="4224" kern="1200" err="1">
+              <a:rPr lang="en-US" sz="4224" kern="1200" dirty="0" err="1">
                 <a:solidFill>
                   <a:schemeClr val="tx1"/>
                 </a:solidFill>
@@ -4349,7 +4349,7 @@
               <a:t>objeto</a:t>
             </a:r>
             <a:r>
-              <a:rPr lang="en-US" sz="4224" kern="1200">
+              <a:rPr lang="en-US" sz="4224" kern="1200" dirty="0">
                 <a:solidFill>
                   <a:schemeClr val="tx1"/>
                 </a:solidFill>
@@ -4360,7 +4360,7 @@
               <a:t> </a:t>
             </a:r>
             <a:r>
-              <a:rPr lang="en-US" sz="4224" b="1" kern="1200">
+              <a:rPr lang="en-US" sz="4224" b="1" kern="1200" dirty="0">
                 <a:solidFill>
                   <a:srgbClr val="FF0000"/>
                 </a:solidFill>
@@ -4371,7 +4371,7 @@
               <a:t>=</a:t>
             </a:r>
             <a:r>
-              <a:rPr lang="en-US" sz="4224" kern="1200">
+              <a:rPr lang="en-US" sz="4224" kern="1200" dirty="0">
                 <a:solidFill>
                   <a:schemeClr val="tx1"/>
                 </a:solidFill>
@@ -4382,7 +4382,7 @@
               <a:t> package::function(</a:t>
             </a:r>
             <a:r>
-              <a:rPr lang="en-US" sz="4224" kern="1200" err="1">
+              <a:rPr lang="en-US" sz="4224" kern="1200" dirty="0" err="1">
                 <a:solidFill>
                   <a:schemeClr val="tx1"/>
                 </a:solidFill>
@@ -4393,7 +4393,7 @@
               <a:t>argumentos</a:t>
             </a:r>
             <a:r>
-              <a:rPr lang="en-US" sz="4224" kern="1200">
+              <a:rPr lang="en-US" sz="4224" kern="1200" dirty="0">
                 <a:solidFill>
                   <a:schemeClr val="tx1"/>
                 </a:solidFill>
@@ -4403,7 +4403,7 @@
               </a:rPr>
               <a:t>)</a:t>
             </a:r>
-            <a:endParaRPr lang="en-MX" sz="4400">
+            <a:endParaRPr lang="en-MX" sz="4400" dirty="0">
               <a:latin typeface="Cambria Math" panose="02040503050406030204" pitchFamily="18" charset="0"/>
               <a:ea typeface="Cambria Math" panose="02040503050406030204" pitchFamily="18" charset="0"/>
             </a:endParaRPr>
@@ -4887,7 +4887,7 @@
         </p:nvSpPr>
         <p:spPr>
           <a:xfrm>
-            <a:off x="838200" y="4704773"/>
+            <a:off x="1151936" y="4519286"/>
             <a:ext cx="1888657" cy="568745"/>
           </a:xfrm>
           <a:prstGeom prst="rect">
@@ -4907,7 +4907,7 @@
               </a:spcAft>
             </a:pPr>
             <a:r>
-              <a:rPr lang="en-US" sz="1548" b="1" kern="1200" err="1">
+              <a:rPr lang="en-US" sz="1548" b="1" kern="1200" dirty="0" err="1">
                 <a:solidFill>
                   <a:schemeClr val="tx1"/>
                 </a:solidFill>
@@ -4918,7 +4918,7 @@
               <a:t>Objeto</a:t>
             </a:r>
             <a:r>
-              <a:rPr lang="en-US" sz="1548" b="1" kern="1200">
+              <a:rPr lang="en-US" sz="1548" b="1" kern="1200" dirty="0">
                 <a:solidFill>
                   <a:schemeClr val="tx1"/>
                 </a:solidFill>
@@ -4929,7 +4929,7 @@
               <a:t> a </a:t>
             </a:r>
             <a:r>
-              <a:rPr lang="en-US" sz="1548" b="1" kern="1200" err="1">
+              <a:rPr lang="en-US" sz="1548" b="1" kern="1200" dirty="0" err="1">
                 <a:solidFill>
                   <a:schemeClr val="tx1"/>
                 </a:solidFill>
@@ -4940,7 +4940,7 @@
               <a:t>crear</a:t>
             </a:r>
             <a:r>
-              <a:rPr lang="en-US" sz="1548" b="1" kern="1200">
+              <a:rPr lang="en-US" sz="1548" b="1" kern="1200" dirty="0">
                 <a:solidFill>
                   <a:schemeClr val="tx1"/>
                 </a:solidFill>
@@ -4951,7 +4951,7 @@
               <a:t> </a:t>
             </a:r>
             <a:r>
-              <a:rPr lang="en-US" sz="1548" b="1" kern="1200" err="1">
+              <a:rPr lang="en-US" sz="1548" b="1" kern="1200" dirty="0" err="1">
                 <a:solidFill>
                   <a:schemeClr val="tx1"/>
                 </a:solidFill>
@@ -4962,7 +4962,7 @@
               <a:t>en</a:t>
             </a:r>
             <a:r>
-              <a:rPr lang="en-US" sz="1548" b="1" kern="1200">
+              <a:rPr lang="en-US" sz="1548" b="1" kern="1200" dirty="0">
                 <a:solidFill>
                   <a:schemeClr val="tx1"/>
                 </a:solidFill>
@@ -4973,7 +4973,7 @@
               <a:t> R: </a:t>
             </a:r>
             <a:r>
-              <a:rPr lang="en-MX" sz="1548" kern="1200">
+              <a:rPr lang="en-MX" sz="1548" kern="1200" dirty="0">
                 <a:solidFill>
                   <a:schemeClr val="tx1"/>
                 </a:solidFill>
@@ -4984,7 +4984,7 @@
               <a:t>'</a:t>
             </a:r>
             <a:r>
-              <a:rPr lang="en-MX" sz="1548" b="1" kern="1200">
+              <a:rPr lang="en-MX" sz="1548" b="1" kern="1200" dirty="0">
                 <a:solidFill>
                   <a:schemeClr val="tx1"/>
                 </a:solidFill>
@@ -4995,7 +4995,7 @@
               <a:t>Environment</a:t>
             </a:r>
             <a:r>
-              <a:rPr lang="en-MX" sz="1548" kern="1200">
+              <a:rPr lang="en-MX" sz="1548" kern="1200" dirty="0">
                 <a:solidFill>
                   <a:schemeClr val="tx1"/>
                 </a:solidFill>
@@ -5005,7 +5005,7 @@
               </a:rPr>
               <a:t>'</a:t>
             </a:r>
-            <a:endParaRPr lang="en-MX" b="1">
+            <a:endParaRPr lang="en-MX" b="1" dirty="0">
               <a:latin typeface="Times New Roman" panose="02020603050405020304" pitchFamily="18" charset="0"/>
               <a:cs typeface="Times New Roman" panose="02020603050405020304" pitchFamily="18" charset="0"/>
             </a:endParaRPr>
@@ -5026,7 +5026,7 @@
         </p:nvSpPr>
         <p:spPr>
           <a:xfrm rot="16200000">
-            <a:off x="3795712" y="3726376"/>
+            <a:off x="4850554" y="3716832"/>
             <a:ext cx="217922" cy="1380173"/>
           </a:xfrm>
           <a:prstGeom prst="leftBrace">
@@ -5076,7 +5076,7 @@
         </p:nvSpPr>
         <p:spPr>
           <a:xfrm rot="5400000">
-            <a:off x="2748300" y="3406213"/>
+            <a:off x="3614448" y="3376219"/>
             <a:ext cx="236601" cy="709803"/>
           </a:xfrm>
           <a:prstGeom prst="leftBrace">
@@ -5125,7 +5125,7 @@
         </p:nvSpPr>
         <p:spPr>
           <a:xfrm rot="16200000">
-            <a:off x="1531399" y="4061561"/>
+            <a:off x="2393398" y="4061560"/>
             <a:ext cx="236601" cy="709803"/>
           </a:xfrm>
           <a:prstGeom prst="leftBrace">
@@ -5174,7 +5174,7 @@
         </p:nvSpPr>
         <p:spPr>
           <a:xfrm>
-            <a:off x="2247942" y="3169560"/>
+            <a:off x="3114090" y="3139566"/>
             <a:ext cx="1237316" cy="330540"/>
           </a:xfrm>
           <a:prstGeom prst="rect">
@@ -5225,7 +5225,7 @@
         </p:nvSpPr>
         <p:spPr>
           <a:xfrm>
-            <a:off x="3221502" y="4750150"/>
+            <a:off x="4276344" y="4740606"/>
             <a:ext cx="1237316" cy="330540"/>
           </a:xfrm>
           <a:prstGeom prst="rect">
@@ -5276,8 +5276,8 @@
         </p:nvSpPr>
         <p:spPr>
           <a:xfrm rot="5400000">
-            <a:off x="7667113" y="769018"/>
-            <a:ext cx="236599" cy="5780821"/>
+            <a:off x="7643890" y="1768398"/>
+            <a:ext cx="308291" cy="3853754"/>
           </a:xfrm>
           <a:prstGeom prst="leftBrace">
             <a:avLst/>
